--- a/proj6_template.pptx
+++ b/proj6_template.pptx
@@ -741,8 +741,8 @@
         </p:nvSpPr>
         <p:spPr>
           <a:xfrm>
-            <a:off x="381300" y="685800"/>
-            <a:ext cx="6096075" cy="3429000"/>
+            <a:off x="381000" y="685800"/>
+            <a:ext cx="6096000" cy="3429000"/>
           </a:xfrm>
           <a:custGeom>
             <a:avLst/>
@@ -6803,10 +6803,10 @@
               <a:buNone/>
             </a:pPr>
             <a:r>
-              <a:rPr lang="en"/>
-              <a:t>Name</a:t>
+              <a:rPr lang="en-US" dirty="0" smtClean="0"/>
+              <a:t>Jie Lyu</a:t>
             </a:r>
-            <a:endParaRPr/>
+            <a:endParaRPr dirty="0"/>
           </a:p>
           <a:p>
             <a:pPr marL="0" lvl="0" indent="0" algn="ctr" rtl="0">
@@ -6819,10 +6819,14 @@
               <a:buNone/>
             </a:pPr>
             <a:r>
-              <a:rPr lang="en"/>
-              <a:t>GT Email</a:t>
+              <a:rPr lang="en-US" dirty="0" err="1"/>
+              <a:t>j</a:t>
             </a:r>
-            <a:endParaRPr/>
+            <a:r>
+              <a:rPr lang="en-US" dirty="0" err="1" smtClean="0"/>
+              <a:t>ie.lyu@gatech.edu</a:t>
+            </a:r>
+            <a:endParaRPr dirty="0"/>
           </a:p>
           <a:p>
             <a:pPr marL="0" lvl="0" indent="0" algn="ctr" rtl="0">
@@ -6835,10 +6839,10 @@
               <a:buNone/>
             </a:pPr>
             <a:r>
-              <a:rPr lang="en"/>
-              <a:t>GT ID</a:t>
+              <a:rPr lang="en-US" dirty="0" smtClean="0"/>
+              <a:t>903329676</a:t>
             </a:r>
-            <a:endParaRPr/>
+            <a:endParaRPr dirty="0"/>
           </a:p>
           <a:p>
             <a:pPr marL="0" lvl="0" indent="0" algn="ctr" rtl="0">
@@ -6850,7 +6854,7 @@
               </a:spcAft>
               <a:buNone/>
             </a:pPr>
-            <a:endParaRPr/>
+            <a:endParaRPr dirty="0"/>
           </a:p>
         </p:txBody>
       </p:sp>
@@ -7570,10 +7574,26 @@
               <a:buNone/>
             </a:pPr>
             <a:r>
-              <a:rPr lang="en" b="1"/>
-              <a:t>Part 1: Experiment: play around with some of the parameters in nn.Conv2d and nn.Linear, and report the effects for: 1. kernel size; 2. stride size; 3. dim of nn.Linear. Provide observations for training time and performance, and why do you see that?</a:t>
+              <a:rPr lang="en" b="1" dirty="0"/>
+              <a:t>Part 1: Experiment: play around with some of the parameters in nn.Conv2d and </a:t>
             </a:r>
-            <a:endParaRPr b="1"/>
+            <a:r>
+              <a:rPr lang="en" b="1" dirty="0" err="1"/>
+              <a:t>nn.Linear</a:t>
+            </a:r>
+            <a:r>
+              <a:rPr lang="en" b="1" dirty="0"/>
+              <a:t>, and report the effects for: 1. kernel size; 2. stride size; 3. dim of </a:t>
+            </a:r>
+            <a:r>
+              <a:rPr lang="en" b="1" dirty="0" err="1"/>
+              <a:t>nn.Linear</a:t>
+            </a:r>
+            <a:r>
+              <a:rPr lang="en" b="1" dirty="0"/>
+              <a:t>. Provide observations for training time and performance, and why do you see that?</a:t>
+            </a:r>
+            <a:endParaRPr b="1" dirty="0"/>
           </a:p>
           <a:p>
             <a:pPr marL="0" lvl="0" indent="0" algn="l" rtl="0">
@@ -7586,7 +7606,7 @@
               <a:buNone/>
             </a:pPr>
             <a:r>
-              <a:rPr lang="en"/>
+              <a:rPr lang="en" dirty="0"/>
               <a:t>Kernel size:</a:t>
             </a:r>
             <a:endParaRPr/>
@@ -7614,10 +7634,10 @@
               <a:buNone/>
             </a:pPr>
             <a:r>
-              <a:rPr lang="en"/>
+              <a:rPr lang="en" dirty="0"/>
               <a:t>Stride size:</a:t>
             </a:r>
-            <a:endParaRPr/>
+            <a:endParaRPr dirty="0"/>
           </a:p>
           <a:p>
             <a:pPr marL="0" lvl="0" indent="0" algn="l" rtl="0">
@@ -7629,7 +7649,7 @@
               </a:spcAft>
               <a:buNone/>
             </a:pPr>
-            <a:endParaRPr/>
+            <a:endParaRPr dirty="0"/>
           </a:p>
           <a:p>
             <a:pPr marL="0" lvl="0" indent="0" algn="l" rtl="0">
@@ -7642,10 +7662,18 @@
               <a:buNone/>
             </a:pPr>
             <a:r>
-              <a:rPr lang="en"/>
-              <a:t>Dim of nn.Linear:</a:t>
+              <a:rPr lang="en" dirty="0"/>
+              <a:t>Dim of </a:t>
             </a:r>
-            <a:endParaRPr/>
+            <a:r>
+              <a:rPr lang="en" dirty="0" err="1"/>
+              <a:t>nn.Linear</a:t>
+            </a:r>
+            <a:r>
+              <a:rPr lang="en" dirty="0"/>
+              <a:t>:</a:t>
+            </a:r>
+            <a:endParaRPr dirty="0"/>
           </a:p>
         </p:txBody>
       </p:sp>

--- a/proj6_template.pptx
+++ b/proj6_template.pptx
@@ -1261,7 +1261,7 @@
         </p:nvSpPr>
         <p:spPr>
           <a:xfrm>
-            <a:off x="381300" y="685800"/>
+            <a:off x="381000" y="685800"/>
             <a:ext cx="6096000" cy="3429000"/>
           </a:xfrm>
           <a:custGeom>
@@ -1365,7 +1365,7 @@
         </p:nvSpPr>
         <p:spPr>
           <a:xfrm>
-            <a:off x="381300" y="685800"/>
+            <a:off x="381000" y="685800"/>
             <a:ext cx="6096000" cy="3429000"/>
           </a:xfrm>
           <a:custGeom>
@@ -7388,9 +7388,13 @@
             </a:pPr>
             <a:r>
               <a:rPr lang="en" b="1" dirty="0"/>
-              <a:t>Part 1: Your Training History Plots</a:t>
-            </a:r>
-            <a:endParaRPr b="1" dirty="0"/>
+              <a:t>Part 1: Your Training History </a:t>
+            </a:r>
+            <a:r>
+              <a:rPr lang="en" b="1" dirty="0" smtClean="0"/>
+              <a:t>Plots</a:t>
+            </a:r>
+            <a:endParaRPr b="1" dirty="0" smtClean="0"/>
           </a:p>
           <a:p>
             <a:pPr marL="0" lvl="0" indent="0" algn="l" rtl="0">
@@ -7403,10 +7407,22 @@
               <a:buNone/>
             </a:pPr>
             <a:r>
-              <a:rPr lang="en" dirty="0"/>
-              <a:t>&lt;Loss plot here&gt;				&lt;Accuracy plot here&gt;</a:t>
-            </a:r>
-            <a:endParaRPr dirty="0"/>
+              <a:rPr lang="en" dirty="0" smtClean="0"/>
+              <a:t>				</a:t>
+            </a:r>
+            <a:endParaRPr lang="en-US" dirty="0" smtClean="0"/>
+          </a:p>
+          <a:p>
+            <a:pPr marL="0" lvl="0" indent="0" algn="l" rtl="0">
+              <a:spcBef>
+                <a:spcPts val="1600"/>
+              </a:spcBef>
+              <a:spcAft>
+                <a:spcPts val="0"/>
+              </a:spcAft>
+              <a:buNone/>
+            </a:pPr>
+            <a:endParaRPr dirty="0" smtClean="0"/>
           </a:p>
           <a:p>
             <a:pPr marL="0" lvl="0" indent="0" algn="l" rtl="0">
@@ -7466,54 +7482,127 @@
               </a:spcAft>
               <a:buNone/>
             </a:pPr>
+            <a:endParaRPr dirty="0" smtClean="0"/>
+          </a:p>
+          <a:p>
+            <a:pPr marL="0" lvl="0" indent="0">
+              <a:spcBef>
+                <a:spcPts val="1600"/>
+              </a:spcBef>
+              <a:buNone/>
+            </a:pPr>
+            <a:r>
+              <a:rPr lang="en" dirty="0" smtClean="0"/>
+              <a:t>Final </a:t>
+            </a:r>
+            <a:r>
+              <a:rPr lang="en" dirty="0"/>
+              <a:t>training accuracy value</a:t>
+            </a:r>
+            <a:r>
+              <a:rPr lang="en" dirty="0" smtClean="0"/>
+              <a:t>:</a:t>
+            </a:r>
+            <a:r>
+              <a:rPr lang="en-US" dirty="0" smtClean="0"/>
+              <a:t> </a:t>
+            </a:r>
+            <a:r>
+              <a:rPr lang="fi-FI" dirty="0"/>
+              <a:t>0.7035175879396985</a:t>
+            </a:r>
             <a:endParaRPr dirty="0"/>
           </a:p>
           <a:p>
-            <a:pPr marL="0" lvl="0" indent="0" algn="l" rtl="0">
-              <a:spcBef>
-                <a:spcPts val="1600"/>
-              </a:spcBef>
-              <a:spcAft>
-                <a:spcPts val="0"/>
+            <a:pPr marL="0" lvl="0" indent="0">
+              <a:spcBef>
+                <a:spcPts val="1600"/>
+              </a:spcBef>
+              <a:spcAft>
+                <a:spcPts val="1600"/>
               </a:spcAft>
               <a:buNone/>
             </a:pPr>
-            <a:endParaRPr dirty="0"/>
-          </a:p>
-          <a:p>
-            <a:pPr marL="0" lvl="0" indent="0" algn="l" rtl="0">
-              <a:spcBef>
-                <a:spcPts val="1600"/>
-              </a:spcBef>
-              <a:spcAft>
-                <a:spcPts val="0"/>
-              </a:spcAft>
-              <a:buNone/>
-            </a:pPr>
             <a:r>
               <a:rPr lang="en" dirty="0"/>
-              <a:t>Final training accuracy value:</a:t>
-            </a:r>
-            <a:endParaRPr dirty="0"/>
-          </a:p>
-          <a:p>
-            <a:pPr marL="0" lvl="0" indent="0" algn="l" rtl="0">
-              <a:spcBef>
-                <a:spcPts val="1600"/>
-              </a:spcBef>
-              <a:spcAft>
-                <a:spcPts val="1600"/>
-              </a:spcAft>
-              <a:buNone/>
-            </a:pPr>
-            <a:r>
-              <a:rPr lang="en" dirty="0"/>
-              <a:t>Final validation accuracy value:</a:t>
+              <a:t>Final validation accuracy value</a:t>
+            </a:r>
+            <a:r>
+              <a:rPr lang="en" dirty="0" smtClean="0"/>
+              <a:t>:</a:t>
+            </a:r>
+            <a:r>
+              <a:rPr lang="en-US" dirty="0" smtClean="0"/>
+              <a:t> </a:t>
+            </a:r>
+            <a:r>
+              <a:rPr lang="is-IS" dirty="0"/>
+              <a:t>0.5346666666666666</a:t>
             </a:r>
             <a:endParaRPr dirty="0"/>
           </a:p>
         </p:txBody>
       </p:sp>
+      <p:pic>
+        <p:nvPicPr>
+          <p:cNvPr id="4" name="Picture 3"/>
+          <p:cNvPicPr>
+            <a:picLocks noChangeAspect="1"/>
+          </p:cNvPicPr>
+          <p:nvPr/>
+        </p:nvPicPr>
+        <p:blipFill>
+          <a:blip r:embed="rId3">
+            <a:extLst>
+              <a:ext uri="{28A0092B-C50C-407E-A947-70E740481C1C}">
+                <a14:useLocalDpi xmlns:a14="http://schemas.microsoft.com/office/drawing/2010/main" val="0"/>
+              </a:ext>
+            </a:extLst>
+          </a:blip>
+          <a:stretch>
+            <a:fillRect/>
+          </a:stretch>
+        </p:blipFill>
+        <p:spPr>
+          <a:xfrm>
+            <a:off x="681628" y="1269410"/>
+            <a:ext cx="3436894" cy="2468880"/>
+          </a:xfrm>
+          <a:prstGeom prst="rect">
+            <a:avLst/>
+          </a:prstGeom>
+        </p:spPr>
+      </p:pic>
+      <p:pic>
+        <p:nvPicPr>
+          <p:cNvPr id="5" name="Picture 4"/>
+          <p:cNvPicPr>
+            <a:picLocks noChangeAspect="1"/>
+          </p:cNvPicPr>
+          <p:nvPr/>
+        </p:nvPicPr>
+        <p:blipFill>
+          <a:blip r:embed="rId4">
+            <a:extLst>
+              <a:ext uri="{28A0092B-C50C-407E-A947-70E740481C1C}">
+                <a14:useLocalDpi xmlns:a14="http://schemas.microsoft.com/office/drawing/2010/main" val="0"/>
+              </a:ext>
+            </a:extLst>
+          </a:blip>
+          <a:stretch>
+            <a:fillRect/>
+          </a:stretch>
+        </p:blipFill>
+        <p:spPr>
+          <a:xfrm>
+            <a:off x="4646771" y="1269410"/>
+            <a:ext cx="3490179" cy="2468880"/>
+          </a:xfrm>
+          <a:prstGeom prst="rect">
+            <a:avLst/>
+          </a:prstGeom>
+        </p:spPr>
+      </p:pic>
     </p:spTree>
   </p:cSld>
   <p:clrMapOvr>
@@ -7596,6 +7685,67 @@
             <a:endParaRPr b="1" dirty="0"/>
           </a:p>
           <a:p>
+            <a:pPr marL="0" lvl="0" indent="0">
+              <a:spcBef>
+                <a:spcPts val="1600"/>
+              </a:spcBef>
+              <a:buNone/>
+            </a:pPr>
+            <a:r>
+              <a:rPr lang="en-US" sz="1000" dirty="0" smtClean="0"/>
+              <a:t>(Base Performance: With default parameters, optimized with Adam wit </a:t>
+            </a:r>
+            <a:r>
+              <a:rPr lang="it-IT" sz="1000" dirty="0"/>
+              <a:t>"</a:t>
+            </a:r>
+            <a:r>
+              <a:rPr lang="it-IT" sz="1000" dirty="0" err="1"/>
+              <a:t>lr</a:t>
+            </a:r>
+            <a:r>
+              <a:rPr lang="it-IT" sz="1000" dirty="0"/>
+              <a:t>": 2e-3, "weight_decay": </a:t>
+            </a:r>
+            <a:r>
+              <a:rPr lang="it-IT" sz="1000" dirty="0" smtClean="0"/>
+              <a:t>1e-2, first 5 epochs gives </a:t>
+            </a:r>
+            <a:r>
+              <a:rPr lang="hr-HR" sz="1000" dirty="0" err="1" smtClean="0"/>
+              <a:t>an</a:t>
+            </a:r>
+            <a:r>
+              <a:rPr lang="hr-HR" sz="1000" dirty="0" smtClean="0"/>
+              <a:t> </a:t>
+            </a:r>
+            <a:r>
+              <a:rPr lang="hr-HR" sz="1000" dirty="0" err="1" smtClean="0"/>
+              <a:t>average</a:t>
+            </a:r>
+            <a:r>
+              <a:rPr lang="hr-HR" sz="1000" dirty="0" smtClean="0"/>
+              <a:t> </a:t>
+            </a:r>
+            <a:r>
+              <a:rPr lang="hr-HR" sz="1000" dirty="0" err="1" smtClean="0"/>
+              <a:t>loss</a:t>
+            </a:r>
+            <a:r>
+              <a:rPr lang="hr-HR" sz="1000" dirty="0" smtClean="0"/>
+              <a:t> </a:t>
+            </a:r>
+            <a:r>
+              <a:rPr lang="hr-HR" sz="1000" dirty="0" err="1" smtClean="0"/>
+              <a:t>of</a:t>
+            </a:r>
+            <a:r>
+              <a:rPr lang="hr-HR" sz="1000" dirty="0" smtClean="0"/>
+              <a:t> 1.2)</a:t>
+            </a:r>
+            <a:endParaRPr lang="en-US" sz="1000" dirty="0" smtClean="0"/>
+          </a:p>
+          <a:p>
             <a:pPr marL="0" lvl="0" indent="0" algn="l" rtl="0">
               <a:spcBef>
                 <a:spcPts val="1600"/>
@@ -7606,10 +7756,50 @@
               <a:buNone/>
             </a:pPr>
             <a:r>
-              <a:rPr lang="en" dirty="0"/>
-              <a:t>Kernel size:</a:t>
-            </a:r>
-            <a:endParaRPr/>
+              <a:rPr lang="en" sz="1200" dirty="0" smtClean="0"/>
+              <a:t>Kernel </a:t>
+            </a:r>
+            <a:r>
+              <a:rPr lang="en" sz="1200" dirty="0"/>
+              <a:t>size</a:t>
+            </a:r>
+            <a:r>
+              <a:rPr lang="en" sz="1200" dirty="0" smtClean="0"/>
+              <a:t>:</a:t>
+            </a:r>
+            <a:r>
+              <a:rPr lang="en-US" sz="1200" dirty="0" smtClean="0"/>
+              <a:t> </a:t>
+            </a:r>
+            <a:r>
+              <a:rPr lang="en-US" sz="1000" dirty="0" smtClean="0"/>
+              <a:t>W</a:t>
+            </a:r>
+            <a:r>
+              <a:rPr lang="en-US" sz="1000" dirty="0" smtClean="0"/>
+              <a:t>hen I increased kernel size to (15,15) for both Conv2d layers, performance increased significantly with an average loss </a:t>
+            </a:r>
+            <a:r>
+              <a:rPr lang="en-US" sz="1000" dirty="0"/>
+              <a:t>of </a:t>
+            </a:r>
+            <a:r>
+              <a:rPr lang="en-US" sz="1000" dirty="0" smtClean="0"/>
+              <a:t>0.85 for </a:t>
+            </a:r>
+            <a:r>
+              <a:rPr lang="en-US" sz="1000" dirty="0"/>
+              <a:t>the first 5 </a:t>
+            </a:r>
+            <a:r>
+              <a:rPr lang="en-US" sz="1000" dirty="0" smtClean="0"/>
+              <a:t>epochs</a:t>
+            </a:r>
+            <a:r>
+              <a:rPr lang="en-US" sz="1000" dirty="0" smtClean="0"/>
+              <a:t>, and training time decreased. The reason for the increase of performance may be because with a bigger kernel, the filter is able to learn more of a feature than the tiny details in the picture. With a bigger kernel size, the output size will be smaller, thus less computation needed and the training speed is faster.</a:t>
+            </a:r>
+            <a:endParaRPr dirty="0"/>
           </a:p>
           <a:p>
             <a:pPr marL="0" lvl="0" indent="0" algn="l" rtl="0">
@@ -7621,35 +7811,39 @@
               </a:spcAft>
               <a:buNone/>
             </a:pPr>
-            <a:endParaRPr/>
-          </a:p>
-          <a:p>
-            <a:pPr marL="0" lvl="0" indent="0" algn="l" rtl="0">
-              <a:spcBef>
-                <a:spcPts val="1600"/>
-              </a:spcBef>
-              <a:spcAft>
-                <a:spcPts val="0"/>
-              </a:spcAft>
-              <a:buNone/>
-            </a:pPr>
-            <a:r>
-              <a:rPr lang="en" dirty="0"/>
-              <a:t>Stride size:</a:t>
-            </a:r>
-            <a:endParaRPr dirty="0"/>
-          </a:p>
-          <a:p>
-            <a:pPr marL="0" lvl="0" indent="0" algn="l" rtl="0">
-              <a:spcBef>
-                <a:spcPts val="1600"/>
-              </a:spcBef>
-              <a:spcAft>
-                <a:spcPts val="0"/>
-              </a:spcAft>
-              <a:buNone/>
-            </a:pPr>
-            <a:endParaRPr dirty="0"/>
+            <a:r>
+              <a:rPr lang="en" sz="1200" dirty="0"/>
+              <a:t>Stride </a:t>
+            </a:r>
+            <a:r>
+              <a:rPr lang="en" sz="1200" dirty="0" smtClean="0"/>
+              <a:t>size:</a:t>
+            </a:r>
+            <a:r>
+              <a:rPr lang="en-US" sz="1200" dirty="0"/>
+              <a:t> </a:t>
+            </a:r>
+            <a:r>
+              <a:rPr lang="en-US" sz="1000" dirty="0" smtClean="0"/>
+              <a:t>When </a:t>
+            </a:r>
+            <a:r>
+              <a:rPr lang="en-US" sz="1000" dirty="0"/>
+              <a:t>I increased </a:t>
+            </a:r>
+            <a:r>
+              <a:rPr lang="en-US" sz="1000" dirty="0" smtClean="0"/>
+              <a:t>stride size to 5 for </a:t>
+            </a:r>
+            <a:r>
+              <a:rPr lang="en-US" sz="1000" dirty="0"/>
+              <a:t>both Conv2d </a:t>
+            </a:r>
+            <a:r>
+              <a:rPr lang="en-US" sz="1000" dirty="0" smtClean="0"/>
+              <a:t>layers, performance increased with an average loss of 0.70 for the first 5 epochs, and training time again decreased. Again, increasing the stride size decreases the output size, thus speeding up the training. The same observation still holds true when I increase the stride to 30. However, as I increase it to 100, performance is not as good as 5 or 30. </a:t>
+            </a:r>
+            <a:endParaRPr sz="1000" dirty="0"/>
           </a:p>
           <a:p>
             <a:pPr marL="0" lvl="0" indent="0" algn="l" rtl="0">
@@ -7670,10 +7864,30 @@
               <a:t>nn.Linear</a:t>
             </a:r>
             <a:r>
-              <a:rPr lang="en" dirty="0"/>
+              <a:rPr lang="en" dirty="0" smtClean="0"/>
               <a:t>:</a:t>
             </a:r>
-            <a:endParaRPr dirty="0"/>
+            <a:r>
+              <a:rPr lang="en-US" dirty="0" smtClean="0"/>
+              <a:t> </a:t>
+            </a:r>
+            <a:r>
+              <a:rPr lang="en-US" sz="1000" dirty="0" smtClean="0"/>
+              <a:t>When I increased </a:t>
+            </a:r>
+            <a:r>
+              <a:rPr lang="en-US" sz="1000" dirty="0" err="1" smtClean="0"/>
+              <a:t>nn.Linear</a:t>
+            </a:r>
+            <a:r>
+              <a:rPr lang="en-US" sz="1000" dirty="0"/>
+              <a:t> </a:t>
+            </a:r>
+            <a:r>
+              <a:rPr lang="en-US" sz="1000" dirty="0" smtClean="0"/>
+              <a:t>to be 1000 -&gt; 200 -&gt; 15, speed decreased as neuron thus more computation is needed. Training performance is slightly improved, however the loss fluctuates move in the early phase of training. </a:t>
+            </a:r>
+            <a:endParaRPr sz="1000" dirty="0"/>
           </a:p>
         </p:txBody>
       </p:sp>
@@ -7737,10 +7951,18 @@
               <a:buNone/>
             </a:pPr>
             <a:r>
-              <a:rPr lang="en" b="1"/>
-              <a:t>Part 2: Screenshot of your get_data_augmentation_transforms()</a:t>
-            </a:r>
-            <a:endParaRPr b="1"/>
+              <a:rPr lang="en" b="1" dirty="0"/>
+              <a:t>Part 2: Screenshot of your </a:t>
+            </a:r>
+            <a:r>
+              <a:rPr lang="en" b="1" dirty="0" err="1"/>
+              <a:t>get_data_augmentation_transforms</a:t>
+            </a:r>
+            <a:r>
+              <a:rPr lang="en" b="1" dirty="0"/>
+              <a:t>()</a:t>
+            </a:r>
+            <a:endParaRPr b="1" dirty="0"/>
           </a:p>
           <a:p>
             <a:pPr marL="0" lvl="0" indent="0" algn="l" rtl="0">
@@ -7752,11 +7974,7 @@
               </a:spcAft>
               <a:buNone/>
             </a:pPr>
-            <a:r>
-              <a:rPr lang="en"/>
-              <a:t>&lt;Screenshot here&gt;							</a:t>
-            </a:r>
-            <a:endParaRPr/>
+            <a:endParaRPr dirty="0"/>
           </a:p>
           <a:p>
             <a:pPr marL="0" lvl="0" indent="0" algn="l" rtl="0">
@@ -7768,7 +7986,7 @@
               </a:spcAft>
               <a:buNone/>
             </a:pPr>
-            <a:endParaRPr/>
+            <a:endParaRPr dirty="0"/>
           </a:p>
           <a:p>
             <a:pPr marL="0" lvl="0" indent="0" algn="l" rtl="0">
@@ -7780,7 +7998,7 @@
               </a:spcAft>
               <a:buNone/>
             </a:pPr>
-            <a:endParaRPr/>
+            <a:endParaRPr dirty="0"/>
           </a:p>
           <a:p>
             <a:pPr marL="0" lvl="0" indent="0" algn="l" rtl="0">
@@ -7792,7 +8010,7 @@
               </a:spcAft>
               <a:buNone/>
             </a:pPr>
-            <a:endParaRPr/>
+            <a:endParaRPr dirty="0"/>
           </a:p>
           <a:p>
             <a:pPr marL="0" lvl="0" indent="0" algn="l" rtl="0">
@@ -7804,7 +8022,7 @@
               </a:spcAft>
               <a:buNone/>
             </a:pPr>
-            <a:endParaRPr/>
+            <a:endParaRPr dirty="0"/>
           </a:p>
           <a:p>
             <a:pPr marL="0" lvl="0" indent="0" algn="l" rtl="0">
@@ -7812,26 +8030,44 @@
                 <a:spcPts val="1600"/>
               </a:spcBef>
               <a:spcAft>
-                <a:spcPts val="0"/>
+                <a:spcPts val="1600"/>
               </a:spcAft>
               <a:buNone/>
             </a:pPr>
-            <a:endParaRPr/>
-          </a:p>
-          <a:p>
-            <a:pPr marL="0" lvl="0" indent="0" algn="l" rtl="0">
-              <a:spcBef>
-                <a:spcPts val="1600"/>
-              </a:spcBef>
-              <a:spcAft>
-                <a:spcPts val="1600"/>
-              </a:spcAft>
-              <a:buNone/>
-            </a:pPr>
-            <a:endParaRPr/>
+            <a:endParaRPr dirty="0"/>
           </a:p>
         </p:txBody>
       </p:sp>
+      <p:pic>
+        <p:nvPicPr>
+          <p:cNvPr id="2" name="Picture 1"/>
+          <p:cNvPicPr>
+            <a:picLocks noChangeAspect="1"/>
+          </p:cNvPicPr>
+          <p:nvPr/>
+        </p:nvPicPr>
+        <p:blipFill>
+          <a:blip r:embed="rId3">
+            <a:extLst>
+              <a:ext uri="{28A0092B-C50C-407E-A947-70E740481C1C}">
+                <a14:useLocalDpi xmlns:a14="http://schemas.microsoft.com/office/drawing/2010/main" val="0"/>
+              </a:ext>
+            </a:extLst>
+          </a:blip>
+          <a:stretch>
+            <a:fillRect/>
+          </a:stretch>
+        </p:blipFill>
+        <p:spPr>
+          <a:xfrm>
+            <a:off x="2469818" y="963468"/>
+            <a:ext cx="4037263" cy="3947421"/>
+          </a:xfrm>
+          <a:prstGeom prst="rect">
+            <a:avLst/>
+          </a:prstGeom>
+        </p:spPr>
+      </p:pic>
     </p:spTree>
   </p:cSld>
   <p:clrMapOvr>
@@ -7869,8 +8105,8 @@
         </p:nvSpPr>
         <p:spPr>
           <a:xfrm>
-            <a:off x="311700" y="438800"/>
-            <a:ext cx="8353500" cy="4130100"/>
+            <a:off x="311700" y="438799"/>
+            <a:ext cx="8353500" cy="4510189"/>
           </a:xfrm>
           <a:prstGeom prst="rect">
             <a:avLst/>
@@ -7907,11 +8143,7 @@
               </a:spcAft>
               <a:buNone/>
             </a:pPr>
-            <a:r>
-              <a:rPr lang="en" dirty="0"/>
-              <a:t>&lt;Loss plot here&gt;				&lt;Accuracy plot here&gt;</a:t>
-            </a:r>
-            <a:endParaRPr dirty="0"/>
+            <a:endParaRPr lang="en-US" dirty="0" smtClean="0"/>
           </a:p>
           <a:p>
             <a:pPr marL="0" lvl="0" indent="0" algn="l" rtl="0">
@@ -7986,23 +8218,32 @@
             <a:endParaRPr dirty="0"/>
           </a:p>
           <a:p>
-            <a:pPr marL="0" lvl="0" indent="0" algn="l" rtl="0">
-              <a:spcBef>
-                <a:spcPts val="1600"/>
-              </a:spcBef>
-              <a:spcAft>
-                <a:spcPts val="0"/>
-              </a:spcAft>
+            <a:pPr marL="0" lvl="0" indent="0">
+              <a:spcBef>
+                <a:spcPts val="1600"/>
+              </a:spcBef>
               <a:buNone/>
             </a:pPr>
             <a:r>
               <a:rPr lang="en" dirty="0"/>
-              <a:t>Final training accuracy value:</a:t>
+              <a:t>Final training accuracy value</a:t>
+            </a:r>
+            <a:r>
+              <a:rPr lang="en" dirty="0" smtClean="0"/>
+              <a:t>:</a:t>
+            </a:r>
+            <a:r>
+              <a:rPr lang="en-US" dirty="0" smtClean="0"/>
+              <a:t> </a:t>
+            </a:r>
+            <a:r>
+              <a:rPr lang="is-IS" dirty="0"/>
+              <a:t>0.7179229480737018</a:t>
             </a:r>
             <a:endParaRPr dirty="0"/>
           </a:p>
           <a:p>
-            <a:pPr marL="0" lvl="0" indent="0" algn="l" rtl="0">
+            <a:pPr marL="0" lvl="0" indent="0">
               <a:spcBef>
                 <a:spcPts val="1600"/>
               </a:spcBef>
@@ -8013,12 +8254,84 @@
             </a:pPr>
             <a:r>
               <a:rPr lang="en" dirty="0"/>
-              <a:t>Final validation accuracy value:</a:t>
+              <a:t>Final validation accuracy value</a:t>
+            </a:r>
+            <a:r>
+              <a:rPr lang="en" dirty="0" smtClean="0"/>
+              <a:t>:</a:t>
+            </a:r>
+            <a:r>
+              <a:rPr lang="en-US" dirty="0" smtClean="0"/>
+              <a:t> </a:t>
+            </a:r>
+            <a:r>
+              <a:rPr lang="is-IS" dirty="0"/>
+              <a:t>0.5606666666666666</a:t>
             </a:r>
             <a:endParaRPr dirty="0"/>
           </a:p>
         </p:txBody>
       </p:sp>
+      <p:pic>
+        <p:nvPicPr>
+          <p:cNvPr id="2" name="Picture 1"/>
+          <p:cNvPicPr>
+            <a:picLocks noChangeAspect="1"/>
+          </p:cNvPicPr>
+          <p:nvPr/>
+        </p:nvPicPr>
+        <p:blipFill>
+          <a:blip r:embed="rId3">
+            <a:extLst>
+              <a:ext uri="{28A0092B-C50C-407E-A947-70E740481C1C}">
+                <a14:useLocalDpi xmlns:a14="http://schemas.microsoft.com/office/drawing/2010/main" val="0"/>
+              </a:ext>
+            </a:extLst>
+          </a:blip>
+          <a:stretch>
+            <a:fillRect/>
+          </a:stretch>
+        </p:blipFill>
+        <p:spPr>
+          <a:xfrm>
+            <a:off x="650545" y="1193131"/>
+            <a:ext cx="3499060" cy="2468880"/>
+          </a:xfrm>
+          <a:prstGeom prst="rect">
+            <a:avLst/>
+          </a:prstGeom>
+        </p:spPr>
+      </p:pic>
+      <p:pic>
+        <p:nvPicPr>
+          <p:cNvPr id="3" name="Picture 2"/>
+          <p:cNvPicPr>
+            <a:picLocks noChangeAspect="1"/>
+          </p:cNvPicPr>
+          <p:nvPr/>
+        </p:nvPicPr>
+        <p:blipFill>
+          <a:blip r:embed="rId4">
+            <a:extLst>
+              <a:ext uri="{28A0092B-C50C-407E-A947-70E740481C1C}">
+                <a14:useLocalDpi xmlns:a14="http://schemas.microsoft.com/office/drawing/2010/main" val="0"/>
+              </a:ext>
+            </a:extLst>
+          </a:blip>
+          <a:stretch>
+            <a:fillRect/>
+          </a:stretch>
+        </p:blipFill>
+        <p:spPr>
+          <a:xfrm>
+            <a:off x="4488450" y="1193131"/>
+            <a:ext cx="3436894" cy="2468880"/>
+          </a:xfrm>
+          <a:prstGeom prst="rect">
+            <a:avLst/>
+          </a:prstGeom>
+        </p:spPr>
+      </p:pic>
     </p:spTree>
   </p:cSld>
   <p:clrMapOvr>

--- a/proj6_template.pptx
+++ b/proj6_template.pptx
@@ -845,7 +845,7 @@
         </p:nvSpPr>
         <p:spPr>
           <a:xfrm>
-            <a:off x="381300" y="685800"/>
+            <a:off x="381000" y="685800"/>
             <a:ext cx="6096000" cy="3429000"/>
           </a:xfrm>
           <a:custGeom>
@@ -1053,7 +1053,7 @@
         </p:nvSpPr>
         <p:spPr>
           <a:xfrm>
-            <a:off x="381300" y="685800"/>
+            <a:off x="381000" y="685800"/>
             <a:ext cx="6096000" cy="3429000"/>
           </a:xfrm>
           <a:custGeom>
@@ -1573,7 +1573,7 @@
         </p:nvSpPr>
         <p:spPr>
           <a:xfrm>
-            <a:off x="381300" y="685800"/>
+            <a:off x="381000" y="685800"/>
             <a:ext cx="6096000" cy="3429000"/>
           </a:xfrm>
           <a:custGeom>
@@ -1781,7 +1781,7 @@
         </p:nvSpPr>
         <p:spPr>
           <a:xfrm>
-            <a:off x="381300" y="685800"/>
+            <a:off x="381000" y="685800"/>
             <a:ext cx="6096000" cy="3429000"/>
           </a:xfrm>
           <a:custGeom>
@@ -1885,7 +1885,7 @@
         </p:nvSpPr>
         <p:spPr>
           <a:xfrm>
-            <a:off x="381300" y="685800"/>
+            <a:off x="381000" y="685800"/>
             <a:ext cx="6096000" cy="3429000"/>
           </a:xfrm>
           <a:custGeom>
@@ -6918,10 +6918,10 @@
               <a:buNone/>
             </a:pPr>
             <a:r>
-              <a:rPr lang="en" b="1"/>
+              <a:rPr lang="en" b="1" dirty="0"/>
               <a:t>Conclusion: briefly discuss what you have learned from this project.</a:t>
             </a:r>
-            <a:endParaRPr b="1"/>
+            <a:endParaRPr b="1" dirty="0"/>
           </a:p>
           <a:p>
             <a:pPr marL="0" lvl="0" indent="0" algn="l" rtl="0">
@@ -6934,10 +6934,10 @@
               <a:buNone/>
             </a:pPr>
             <a:r>
-              <a:rPr lang="en"/>
-              <a:t>&lt;Text solution here&gt;</a:t>
-            </a:r>
-            <a:endParaRPr/>
+              <a:rPr lang="en-US" dirty="0" smtClean="0"/>
+              <a:t>It is nice to see the power of NN. Even a simple one like SimpleNet gives us great performance and a lot of space to tweak around like implementing the optimizer, adjusting hyper-parameters in NN etc. I learnt a lot from part2. I have heard of techniques like dropout and flipping the image, but it is my first time doing it myself. I was surprised how easy that was. The performance for AlexNet surprised me. I learnt how fine-tune a pre-trained NN. I think the idea of fine-tuning is useful because I can achieve a great performance without spending a large amount of time training. </a:t>
+            </a:r>
+            <a:endParaRPr dirty="0"/>
           </a:p>
         </p:txBody>
       </p:sp>
@@ -7310,6 +7310,23 @@
           </a:bodyPr>
           <a:lstStyle/>
           <a:p>
+            <a:pPr marL="0" indent="0">
+              <a:spcAft>
+                <a:spcPts val="1600"/>
+              </a:spcAft>
+              <a:buNone/>
+            </a:pPr>
+            <a:r>
+              <a:rPr lang="en-US" dirty="0" smtClean="0"/>
+              <a:t>I added a </a:t>
+            </a:r>
+            <a:r>
+              <a:rPr lang="en-US" dirty="0" smtClean="0"/>
+              <a:t>BatchNorm1d layer in FC layer and achieved a validation accuracy of 0.6353 </a:t>
+            </a:r>
+            <a:endParaRPr lang="en-US" dirty="0"/>
+          </a:p>
+          <a:p>
             <a:pPr marL="0" lvl="0" indent="0" algn="l" rtl="0">
               <a:spcBef>
                 <a:spcPts val="0"/>
@@ -7319,14 +7336,70 @@
               </a:spcAft>
               <a:buNone/>
             </a:pPr>
-            <a:r>
-              <a:rPr lang="en"/>
-              <a:t>&lt;Discuss what extra credit you did and analyze it. Include images of results as well &gt;</a:t>
-            </a:r>
-            <a:endParaRPr/>
+            <a:endParaRPr dirty="0"/>
           </a:p>
         </p:txBody>
       </p:sp>
+      <p:pic>
+        <p:nvPicPr>
+          <p:cNvPr id="2" name="Picture 1"/>
+          <p:cNvPicPr>
+            <a:picLocks noChangeAspect="1"/>
+          </p:cNvPicPr>
+          <p:nvPr/>
+        </p:nvPicPr>
+        <p:blipFill>
+          <a:blip r:embed="rId3">
+            <a:extLst>
+              <a:ext uri="{28A0092B-C50C-407E-A947-70E740481C1C}">
+                <a14:useLocalDpi xmlns:a14="http://schemas.microsoft.com/office/drawing/2010/main" val="0"/>
+              </a:ext>
+            </a:extLst>
+          </a:blip>
+          <a:stretch>
+            <a:fillRect/>
+          </a:stretch>
+        </p:blipFill>
+        <p:spPr>
+          <a:xfrm>
+            <a:off x="0" y="2743200"/>
+            <a:ext cx="3179396" cy="2400300"/>
+          </a:xfrm>
+          <a:prstGeom prst="rect">
+            <a:avLst/>
+          </a:prstGeom>
+        </p:spPr>
+      </p:pic>
+      <p:pic>
+        <p:nvPicPr>
+          <p:cNvPr id="3" name="Picture 2"/>
+          <p:cNvPicPr>
+            <a:picLocks noChangeAspect="1"/>
+          </p:cNvPicPr>
+          <p:nvPr/>
+        </p:nvPicPr>
+        <p:blipFill>
+          <a:blip r:embed="rId4">
+            <a:extLst>
+              <a:ext uri="{28A0092B-C50C-407E-A947-70E740481C1C}">
+                <a14:useLocalDpi xmlns:a14="http://schemas.microsoft.com/office/drawing/2010/main" val="0"/>
+              </a:ext>
+            </a:extLst>
+          </a:blip>
+          <a:stretch>
+            <a:fillRect/>
+          </a:stretch>
+        </p:blipFill>
+        <p:spPr>
+          <a:xfrm>
+            <a:off x="3328888" y="2445084"/>
+            <a:ext cx="5815112" cy="2698416"/>
+          </a:xfrm>
+          <a:prstGeom prst="rect">
+            <a:avLst/>
+          </a:prstGeom>
+        </p:spPr>
+      </p:pic>
     </p:spTree>
   </p:cSld>
   <p:clrMapOvr>
@@ -7364,8 +7437,8 @@
         </p:nvSpPr>
         <p:spPr>
           <a:xfrm>
-            <a:off x="311700" y="438800"/>
-            <a:ext cx="8353500" cy="4130100"/>
+            <a:off x="311700" y="438799"/>
+            <a:ext cx="8353500" cy="4518211"/>
           </a:xfrm>
           <a:prstGeom prst="rect">
             <a:avLst/>
@@ -7509,35 +7582,28 @@
             </a:r>
             <a:r>
               <a:rPr lang="fi-FI" dirty="0"/>
-              <a:t>0.7035175879396985</a:t>
-            </a:r>
-            <a:endParaRPr dirty="0"/>
+              <a:t>0.8703517587939699</a:t>
+            </a:r>
+            <a:endParaRPr lang="en-US" dirty="0" smtClean="0"/>
           </a:p>
           <a:p>
             <a:pPr marL="0" lvl="0" indent="0">
               <a:spcBef>
                 <a:spcPts val="1600"/>
               </a:spcBef>
-              <a:spcAft>
-                <a:spcPts val="1600"/>
-              </a:spcAft>
               <a:buNone/>
             </a:pPr>
             <a:r>
-              <a:rPr lang="en" dirty="0"/>
-              <a:t>Final validation accuracy value</a:t>
-            </a:r>
-            <a:r>
               <a:rPr lang="en" dirty="0" smtClean="0"/>
-              <a:t>:</a:t>
+              <a:t>Final validation accuracy value:</a:t>
             </a:r>
             <a:r>
               <a:rPr lang="en-US" dirty="0" smtClean="0"/>
               <a:t> </a:t>
             </a:r>
             <a:r>
-              <a:rPr lang="is-IS" dirty="0"/>
-              <a:t>0.5346666666666666</a:t>
+              <a:rPr lang="hr-HR" dirty="0"/>
+              <a:t>0.5133333333333333</a:t>
             </a:r>
             <a:endParaRPr dirty="0"/>
           </a:p>
@@ -7545,7 +7611,7 @@
       </p:sp>
       <p:pic>
         <p:nvPicPr>
-          <p:cNvPr id="4" name="Picture 3"/>
+          <p:cNvPr id="2" name="Picture 1"/>
           <p:cNvPicPr>
             <a:picLocks noChangeAspect="1"/>
           </p:cNvPicPr>
@@ -7565,7 +7631,7 @@
         </p:blipFill>
         <p:spPr>
           <a:xfrm>
-            <a:off x="681628" y="1269410"/>
+            <a:off x="503989" y="1307432"/>
             <a:ext cx="3436894" cy="2468880"/>
           </a:xfrm>
           <a:prstGeom prst="rect">
@@ -7575,7 +7641,7 @@
       </p:pic>
       <p:pic>
         <p:nvPicPr>
-          <p:cNvPr id="5" name="Picture 4"/>
+          <p:cNvPr id="3" name="Picture 2"/>
           <p:cNvPicPr>
             <a:picLocks noChangeAspect="1"/>
           </p:cNvPicPr>
@@ -7595,8 +7661,8 @@
         </p:blipFill>
         <p:spPr>
           <a:xfrm>
-            <a:off x="4646771" y="1269410"/>
-            <a:ext cx="3490179" cy="2468880"/>
+            <a:off x="4354094" y="1307432"/>
+            <a:ext cx="3436894" cy="2468880"/>
           </a:xfrm>
           <a:prstGeom prst="rect">
             <a:avLst/>
@@ -7705,7 +7771,15 @@
             </a:r>
             <a:r>
               <a:rPr lang="it-IT" sz="1000" dirty="0"/>
-              <a:t>": 2e-3, "weight_decay": </a:t>
+              <a:t>": </a:t>
+            </a:r>
+            <a:r>
+              <a:rPr lang="it-IT" sz="1000" dirty="0" smtClean="0"/>
+              <a:t>1e-3</a:t>
+            </a:r>
+            <a:r>
+              <a:rPr lang="it-IT" sz="1000" dirty="0"/>
+              <a:t>, "weight_decay": </a:t>
             </a:r>
             <a:r>
               <a:rPr lang="it-IT" sz="1000" dirty="0" smtClean="0"/>
@@ -7773,11 +7847,7 @@
             </a:r>
             <a:r>
               <a:rPr lang="en-US" sz="1000" dirty="0" smtClean="0"/>
-              <a:t>W</a:t>
-            </a:r>
-            <a:r>
-              <a:rPr lang="en-US" sz="1000" dirty="0" smtClean="0"/>
-              <a:t>hen I increased kernel size to (15,15) for both Conv2d layers, performance increased significantly with an average loss </a:t>
+              <a:t>When I increased kernel size to (15,15) for both Conv2d layers, performance increased significantly with an average loss </a:t>
             </a:r>
             <a:r>
               <a:rPr lang="en-US" sz="1000" dirty="0"/>
@@ -7793,11 +7863,7 @@
             </a:r>
             <a:r>
               <a:rPr lang="en-US" sz="1000" dirty="0" smtClean="0"/>
-              <a:t>epochs</a:t>
-            </a:r>
-            <a:r>
-              <a:rPr lang="en-US" sz="1000" dirty="0" smtClean="0"/>
-              <a:t>, and training time decreased. The reason for the increase of performance may be because with a bigger kernel, the filter is able to learn more of a feature than the tiny details in the picture. With a bigger kernel size, the output size will be smaller, thus less computation needed and the training speed is faster.</a:t>
+              <a:t>epochs, and training time decreased. The reason for the increase of performance may be because with a bigger kernel, the filter is able to learn more of a feature than the tiny details in the picture. With a bigger kernel size, the output size will be smaller, thus less computation needed and the training speed is faster.</a:t>
             </a:r>
             <a:endParaRPr dirty="0"/>
           </a:p>
@@ -7841,7 +7907,7 @@
             </a:r>
             <a:r>
               <a:rPr lang="en-US" sz="1000" dirty="0" smtClean="0"/>
-              <a:t>layers, performance increased with an average loss of 0.70 for the first 5 epochs, and training time again decreased. Again, increasing the stride size decreases the output size, thus speeding up the training. The same observation still holds true when I increase the stride to 30. However, as I increase it to 100, performance is not as good as 5 or 30. </a:t>
+              <a:t>layers, performance increased with an average loss of 0.70 for the first 5 epochs, and training time again decreased. Again, increasing the stride size decreases the output size, thus speeding up the training. However, as I increase it to 100, performance is not as good as 5. </a:t>
             </a:r>
             <a:endParaRPr sz="1000" dirty="0"/>
           </a:p>
@@ -8040,7 +8106,7 @@
       </p:sp>
       <p:pic>
         <p:nvPicPr>
-          <p:cNvPr id="2" name="Picture 1"/>
+          <p:cNvPr id="3" name="Picture 2"/>
           <p:cNvPicPr>
             <a:picLocks noChangeAspect="1"/>
           </p:cNvPicPr>
@@ -8060,8 +8126,8 @@
         </p:blipFill>
         <p:spPr>
           <a:xfrm>
-            <a:off x="2469818" y="963468"/>
-            <a:ext cx="4037263" cy="3947421"/>
+            <a:off x="2582112" y="970547"/>
+            <a:ext cx="3812675" cy="3892216"/>
           </a:xfrm>
           <a:prstGeom prst="rect">
             <a:avLst/>
@@ -8215,7 +8281,7 @@
               </a:spcAft>
               <a:buNone/>
             </a:pPr>
-            <a:endParaRPr dirty="0"/>
+            <a:endParaRPr dirty="0" smtClean="0"/>
           </a:p>
           <a:p>
             <a:pPr marL="0" lvl="0" indent="0">
@@ -8225,22 +8291,14 @@
               <a:buNone/>
             </a:pPr>
             <a:r>
-              <a:rPr lang="en" dirty="0"/>
-              <a:t>Final training accuracy value</a:t>
-            </a:r>
-            <a:r>
-              <a:rPr lang="en" dirty="0" smtClean="0"/>
-              <a:t>:</a:t>
-            </a:r>
-            <a:r>
-              <a:rPr lang="en-US" dirty="0" smtClean="0"/>
-              <a:t> </a:t>
+              <a:rPr lang="en-US" dirty="0"/>
+              <a:t>Final training accuracy value: </a:t>
             </a:r>
             <a:r>
               <a:rPr lang="is-IS" dirty="0"/>
-              <a:t>0.7179229480737018</a:t>
-            </a:r>
-            <a:endParaRPr dirty="0"/>
+              <a:t>0.700502512562814</a:t>
+            </a:r>
+            <a:endParaRPr lang="en-US" dirty="0"/>
           </a:p>
           <a:p>
             <a:pPr marL="0" lvl="0" indent="0">
@@ -8253,28 +8311,20 @@
               <a:buNone/>
             </a:pPr>
             <a:r>
-              <a:rPr lang="en" dirty="0"/>
-              <a:t>Final validation accuracy value</a:t>
-            </a:r>
-            <a:r>
-              <a:rPr lang="en" dirty="0" smtClean="0"/>
-              <a:t>:</a:t>
-            </a:r>
-            <a:r>
-              <a:rPr lang="en-US" dirty="0" smtClean="0"/>
-              <a:t> </a:t>
+              <a:rPr lang="en-US" dirty="0"/>
+              <a:t>Final validation accuracy value: </a:t>
             </a:r>
             <a:r>
               <a:rPr lang="is-IS" dirty="0"/>
-              <a:t>0.5606666666666666</a:t>
-            </a:r>
-            <a:endParaRPr dirty="0"/>
+              <a:t>0.5866666666666667</a:t>
+            </a:r>
+            <a:endParaRPr lang="en-US" dirty="0"/>
           </a:p>
         </p:txBody>
       </p:sp>
       <p:pic>
         <p:nvPicPr>
-          <p:cNvPr id="2" name="Picture 1"/>
+          <p:cNvPr id="4" name="Picture 3"/>
           <p:cNvPicPr>
             <a:picLocks noChangeAspect="1"/>
           </p:cNvPicPr>
@@ -8294,7 +8344,7 @@
         </p:blipFill>
         <p:spPr>
           <a:xfrm>
-            <a:off x="650545" y="1193131"/>
+            <a:off x="514015" y="1203156"/>
             <a:ext cx="3499060" cy="2468880"/>
           </a:xfrm>
           <a:prstGeom prst="rect">
@@ -8304,7 +8354,7 @@
       </p:pic>
       <p:pic>
         <p:nvPicPr>
-          <p:cNvPr id="3" name="Picture 2"/>
+          <p:cNvPr id="5" name="Picture 4"/>
           <p:cNvPicPr>
             <a:picLocks noChangeAspect="1"/>
           </p:cNvPicPr>
@@ -8324,7 +8374,7 @@
         </p:blipFill>
         <p:spPr>
           <a:xfrm>
-            <a:off x="4488450" y="1193131"/>
+            <a:off x="4215390" y="1203156"/>
             <a:ext cx="3436894" cy="2468880"/>
           </a:xfrm>
           <a:prstGeom prst="rect">
@@ -8392,26 +8442,60 @@
               <a:buNone/>
             </a:pPr>
             <a:r>
-              <a:rPr lang="en" b="1"/>
+              <a:rPr lang="en" b="1" dirty="0"/>
               <a:t>Part 2: Reflection: compare the loss and accuracy for training and testing set, how does the result compare with Part 1? How to interpret this result?</a:t>
             </a:r>
-            <a:endParaRPr b="1"/>
-          </a:p>
-          <a:p>
-            <a:pPr marL="0" lvl="0" indent="0" algn="l" rtl="0">
-              <a:spcBef>
-                <a:spcPts val="1600"/>
-              </a:spcBef>
-              <a:spcAft>
-                <a:spcPts val="1600"/>
-              </a:spcAft>
-              <a:buNone/>
+            <a:endParaRPr b="1" dirty="0"/>
+          </a:p>
+          <a:p>
+            <a:pPr marL="342900" indent="-342900">
+              <a:spcBef>
+                <a:spcPts val="1600"/>
+              </a:spcBef>
+              <a:spcAft>
+                <a:spcPts val="1600"/>
+              </a:spcAft>
+              <a:buFont typeface="+mj-lt"/>
+              <a:buAutoNum type="arabicPeriod"/>
             </a:pPr>
             <a:r>
-              <a:rPr lang="en"/>
-              <a:t>&lt;Text solution here&gt;</a:t>
-            </a:r>
-            <a:endParaRPr/>
+              <a:rPr lang="en-US" dirty="0" smtClean="0"/>
+              <a:t>Training loss in part2 doesn’t drop as much as training loss in part1, and is more fluctuated. It is because the dropout layer is constantly dropping out weights, so it doesn’t learn the training data well</a:t>
+            </a:r>
+          </a:p>
+          <a:p>
+            <a:pPr marL="342900" indent="-342900">
+              <a:spcBef>
+                <a:spcPts val="1600"/>
+              </a:spcBef>
+              <a:spcAft>
+                <a:spcPts val="1600"/>
+              </a:spcAft>
+              <a:buFont typeface="+mj-lt"/>
+              <a:buAutoNum type="arabicPeriod"/>
+            </a:pPr>
+            <a:r>
+              <a:rPr lang="en-US" dirty="0" smtClean="0"/>
+              <a:t>Validation loss in part2 drops continuously, while the validation loss in part1 shows a concave shape indicating an overfit. It is because in part2 we did dropout and transform to minimize the effect of overfitting, so model trained in part2 is less overfitted</a:t>
+            </a:r>
+            <a:endParaRPr lang="en-US" dirty="0"/>
+          </a:p>
+          <a:p>
+            <a:pPr marL="342900" indent="-342900">
+              <a:spcBef>
+                <a:spcPts val="1600"/>
+              </a:spcBef>
+              <a:spcAft>
+                <a:spcPts val="1600"/>
+              </a:spcAft>
+              <a:buFont typeface="+mj-lt"/>
+              <a:buAutoNum type="arabicPeriod"/>
+            </a:pPr>
+            <a:r>
+              <a:rPr lang="en-US" dirty="0" smtClean="0"/>
+              <a:t>The gap between training and validation accuracy curve for part2 is smaller than that of part1. This is again because of the overfitting problem in part1. Model in part1 is overfitted for training data, therefore doesn’t generalize well for validation data.</a:t>
+            </a:r>
+            <a:endParaRPr dirty="0"/>
           </a:p>
         </p:txBody>
       </p:sp>
@@ -8452,8 +8536,8 @@
         </p:nvSpPr>
         <p:spPr>
           <a:xfrm>
-            <a:off x="311700" y="438800"/>
-            <a:ext cx="8353500" cy="4130100"/>
+            <a:off x="311700" y="462863"/>
+            <a:ext cx="8353500" cy="4494148"/>
           </a:xfrm>
           <a:prstGeom prst="rect">
             <a:avLst/>
@@ -8490,11 +8574,7 @@
               </a:spcAft>
               <a:buNone/>
             </a:pPr>
-            <a:r>
-              <a:rPr lang="en" dirty="0"/>
-              <a:t>&lt;Loss plot here&gt;				&lt;Accuracy plot here&gt;</a:t>
-            </a:r>
-            <a:endParaRPr dirty="0"/>
+            <a:endParaRPr lang="en-US" dirty="0" smtClean="0"/>
           </a:p>
           <a:p>
             <a:pPr marL="0" lvl="0" indent="0" algn="l" rtl="0">
@@ -8569,39 +8649,56 @@
             <a:endParaRPr dirty="0"/>
           </a:p>
           <a:p>
-            <a:pPr marL="0" lvl="0" indent="0" algn="l" rtl="0">
-              <a:spcBef>
-                <a:spcPts val="1600"/>
-              </a:spcBef>
-              <a:spcAft>
-                <a:spcPts val="0"/>
-              </a:spcAft>
+            <a:pPr marL="0" lvl="0" indent="0">
+              <a:spcBef>
+                <a:spcPts val="1600"/>
+              </a:spcBef>
               <a:buNone/>
             </a:pPr>
             <a:r>
               <a:rPr lang="en" dirty="0"/>
-              <a:t>Final training accuracy value:</a:t>
+              <a:t>Final training accuracy value</a:t>
+            </a:r>
+            <a:r>
+              <a:rPr lang="en" dirty="0" smtClean="0"/>
+              <a:t>:</a:t>
+            </a:r>
+            <a:r>
+              <a:rPr lang="en-US" dirty="0" smtClean="0"/>
+              <a:t> </a:t>
+            </a:r>
+            <a:r>
+              <a:rPr lang="cs-CZ" dirty="0"/>
+              <a:t>0.9735343383584589</a:t>
             </a:r>
             <a:endParaRPr dirty="0"/>
           </a:p>
           <a:p>
-            <a:pPr marL="0" lvl="0" indent="0" algn="l" rtl="0">
-              <a:spcBef>
-                <a:spcPts val="1600"/>
-              </a:spcBef>
-              <a:spcAft>
-                <a:spcPts val="0"/>
-              </a:spcAft>
+            <a:pPr marL="0" lvl="0" indent="0">
+              <a:spcBef>
+                <a:spcPts val="1600"/>
+              </a:spcBef>
               <a:buClr>
                 <a:schemeClr val="dk1"/>
               </a:buClr>
               <a:buSzPts val="1100"/>
-              <a:buFont typeface="Arial"/>
               <a:buNone/>
             </a:pPr>
             <a:r>
               <a:rPr lang="en" dirty="0"/>
-              <a:t>Final validation accuracy value:</a:t>
+              <a:t>Final validation accuracy value</a:t>
+            </a:r>
+            <a:r>
+              <a:rPr lang="en" dirty="0" smtClean="0"/>
+              <a:t>:</a:t>
+            </a:r>
+            <a:r>
+              <a:rPr lang="en-US" dirty="0" smtClean="0"/>
+              <a:t> </a:t>
+            </a:r>
+            <a:r>
+              <a:rPr lang="hr-HR" dirty="0"/>
+              <a:t>0.8553333333333333</a:t>
             </a:r>
             <a:endParaRPr dirty="0"/>
           </a:p>
@@ -8619,6 +8716,66 @@
           </a:p>
         </p:txBody>
       </p:sp>
+      <p:pic>
+        <p:nvPicPr>
+          <p:cNvPr id="2" name="Picture 1"/>
+          <p:cNvPicPr>
+            <a:picLocks noChangeAspect="1"/>
+          </p:cNvPicPr>
+          <p:nvPr/>
+        </p:nvPicPr>
+        <p:blipFill>
+          <a:blip r:embed="rId3">
+            <a:extLst>
+              <a:ext uri="{28A0092B-C50C-407E-A947-70E740481C1C}">
+                <a14:useLocalDpi xmlns:a14="http://schemas.microsoft.com/office/drawing/2010/main" val="0"/>
+              </a:ext>
+            </a:extLst>
+          </a:blip>
+          <a:stretch>
+            <a:fillRect/>
+          </a:stretch>
+        </p:blipFill>
+        <p:spPr>
+          <a:xfrm>
+            <a:off x="713875" y="1217194"/>
+            <a:ext cx="3428013" cy="2468880"/>
+          </a:xfrm>
+          <a:prstGeom prst="rect">
+            <a:avLst/>
+          </a:prstGeom>
+        </p:spPr>
+      </p:pic>
+      <p:pic>
+        <p:nvPicPr>
+          <p:cNvPr id="3" name="Picture 2"/>
+          <p:cNvPicPr>
+            <a:picLocks noChangeAspect="1"/>
+          </p:cNvPicPr>
+          <p:nvPr/>
+        </p:nvPicPr>
+        <p:blipFill>
+          <a:blip r:embed="rId4">
+            <a:extLst>
+              <a:ext uri="{28A0092B-C50C-407E-A947-70E740481C1C}">
+                <a14:useLocalDpi xmlns:a14="http://schemas.microsoft.com/office/drawing/2010/main" val="0"/>
+              </a:ext>
+            </a:extLst>
+          </a:blip>
+          <a:stretch>
+            <a:fillRect/>
+          </a:stretch>
+        </p:blipFill>
+        <p:spPr>
+          <a:xfrm>
+            <a:off x="4544063" y="1217194"/>
+            <a:ext cx="3481298" cy="2468880"/>
+          </a:xfrm>
+          <a:prstGeom prst="rect">
+            <a:avLst/>
+          </a:prstGeom>
+        </p:spPr>
+      </p:pic>
     </p:spTree>
   </p:cSld>
   <p:clrMapOvr>
@@ -8679,13 +8836,13 @@
               <a:buNone/>
             </a:pPr>
             <a:r>
-              <a:rPr lang="en" b="1"/>
+              <a:rPr lang="en" b="1" dirty="0"/>
               <a:t>Part 3: Reflection: what does fine-tuning a network mean?</a:t>
             </a:r>
-            <a:endParaRPr b="1"/>
-          </a:p>
-          <a:p>
-            <a:pPr marL="0" lvl="0" indent="0" algn="l" rtl="0">
+            <a:endParaRPr b="1" dirty="0"/>
+          </a:p>
+          <a:p>
+            <a:pPr marL="0" lvl="0" indent="0">
               <a:spcBef>
                 <a:spcPts val="1600"/>
               </a:spcBef>
@@ -8695,10 +8852,34 @@
               <a:buNone/>
             </a:pPr>
             <a:r>
-              <a:rPr lang="en"/>
-              <a:t>&lt;Text solution here&gt;</a:t>
-            </a:r>
-            <a:endParaRPr/>
+              <a:rPr lang="en-US" dirty="0" smtClean="0"/>
+              <a:t>It means to train a pre-trained model on our own data set. Training a deep neuron network is expensive, so in this project we used the pre-trained AlexNet. However, the original one has 1000 output neurons while we only have 15 categories, so we need to swap out the final linear layer with 1000 neurons and replace it with a layer of 15 neurons, and learn the weights connected to the new layer. Fine-tuning also make the model more task specific and allow us to achieve a better performance on our dataset. Since the model has been trained extensively on a large dataset, features are wells learnt in terms of weight. It is especially helpful to minimize overfitting when we only have a small training </a:t>
+            </a:r>
+            <a:r>
+              <a:rPr lang="en-US" dirty="0"/>
+              <a:t>set. </a:t>
+            </a:r>
+            <a:r>
+              <a:rPr lang="en-US" dirty="0" smtClean="0"/>
+              <a:t>Using a </a:t>
+            </a:r>
+            <a:r>
+              <a:rPr lang="en-US" dirty="0"/>
+              <a:t>pre-trained </a:t>
+            </a:r>
+            <a:r>
+              <a:rPr lang="en-US" dirty="0" smtClean="0"/>
+              <a:t>model and “freeze” some layers, </a:t>
+            </a:r>
+            <a:r>
+              <a:rPr lang="en-US" dirty="0"/>
+              <a:t>we can </a:t>
+            </a:r>
+            <a:r>
+              <a:rPr lang="en-US" dirty="0" smtClean="0"/>
+              <a:t>also save training time because extensive training has been done already.</a:t>
+            </a:r>
+            <a:endParaRPr dirty="0"/>
           </a:p>
         </p:txBody>
       </p:sp>
@@ -8762,10 +8943,29 @@
               <a:buNone/>
             </a:pPr>
             <a:r>
-              <a:rPr lang="en" b="1"/>
-              <a:t>Part 3: Reflection: why do we want to “freeze” the conv layers and some of the linear layers in pretrained AlexNet? Why CAN we do this?</a:t>
-            </a:r>
-            <a:endParaRPr b="1"/>
+              <a:rPr lang="en" b="1" dirty="0"/>
+              <a:t>Part 3: Reflection: why do we want to “freeze” the conv layers and some of the linear layers in </a:t>
+            </a:r>
+            <a:r>
+              <a:rPr lang="en" b="1" dirty="0" err="1"/>
+              <a:t>pretrained</a:t>
+            </a:r>
+            <a:r>
+              <a:rPr lang="en" b="1" dirty="0"/>
+              <a:t> </a:t>
+            </a:r>
+            <a:r>
+              <a:rPr lang="en" b="1" dirty="0" err="1"/>
+              <a:t>AlexNet</a:t>
+            </a:r>
+            <a:r>
+              <a:rPr lang="en" b="1" dirty="0"/>
+              <a:t>? Why CAN we do this</a:t>
+            </a:r>
+            <a:r>
+              <a:rPr lang="en" b="1" dirty="0" smtClean="0"/>
+              <a:t>?</a:t>
+            </a:r>
           </a:p>
           <a:p>
             <a:pPr marL="0" lvl="0" indent="0" algn="l" rtl="0">
@@ -8778,10 +8978,10 @@
               <a:buNone/>
             </a:pPr>
             <a:r>
-              <a:rPr lang="en"/>
-              <a:t>&lt;Text solution here&gt;</a:t>
-            </a:r>
-            <a:endParaRPr/>
+              <a:rPr lang="en-US" dirty="0" smtClean="0"/>
+              <a:t>We can do this because the AlexNet we have here has been pre-trained on millions of images. Extensive training has been done. Features and weights have been learned. Since it has been trained on images and we are using AlexNet for image classification, tasks are similar and the features and edges learned are similar. We don’t need to modify the previously learnt weights anymore, so we “freeze” them. Also, we want to do it because if we don’t freeze them, training time will be significantly longer because the amount of neurons in this NN is huge.</a:t>
+            </a:r>
+            <a:endParaRPr dirty="0"/>
           </a:p>
         </p:txBody>
       </p:sp>
